--- a/documents/systemConfiguration/systemConfiguration.pptx
+++ b/documents/systemConfiguration/systemConfiguration.pptx
@@ -259,7 +259,7 @@
           <a:p>
             <a:fld id="{BF7D9607-4C63-4315-8A00-1F129CADF9DC}" type="datetimeFigureOut">
               <a:rPr kumimoji="1" lang="ja-JP" altLang="en-US" smtClean="0"/>
-              <a:t>2022/10/6</a:t>
+              <a:t>2022/12/9</a:t>
             </a:fld>
             <a:endParaRPr kumimoji="1" lang="ja-JP" altLang="en-US"/>
           </a:p>
@@ -489,7 +489,7 @@
           <a:p>
             <a:fld id="{BF7D9607-4C63-4315-8A00-1F129CADF9DC}" type="datetimeFigureOut">
               <a:rPr kumimoji="1" lang="ja-JP" altLang="en-US" smtClean="0"/>
-              <a:t>2022/10/6</a:t>
+              <a:t>2022/12/9</a:t>
             </a:fld>
             <a:endParaRPr kumimoji="1" lang="ja-JP" altLang="en-US"/>
           </a:p>
@@ -729,7 +729,7 @@
           <a:p>
             <a:fld id="{BF7D9607-4C63-4315-8A00-1F129CADF9DC}" type="datetimeFigureOut">
               <a:rPr kumimoji="1" lang="ja-JP" altLang="en-US" smtClean="0"/>
-              <a:t>2022/10/6</a:t>
+              <a:t>2022/12/9</a:t>
             </a:fld>
             <a:endParaRPr kumimoji="1" lang="ja-JP" altLang="en-US"/>
           </a:p>
@@ -959,7 +959,7 @@
           <a:p>
             <a:fld id="{BF7D9607-4C63-4315-8A00-1F129CADF9DC}" type="datetimeFigureOut">
               <a:rPr kumimoji="1" lang="ja-JP" altLang="en-US" smtClean="0"/>
-              <a:t>2022/10/6</a:t>
+              <a:t>2022/12/9</a:t>
             </a:fld>
             <a:endParaRPr kumimoji="1" lang="ja-JP" altLang="en-US"/>
           </a:p>
@@ -1234,7 +1234,7 @@
           <a:p>
             <a:fld id="{BF7D9607-4C63-4315-8A00-1F129CADF9DC}" type="datetimeFigureOut">
               <a:rPr kumimoji="1" lang="ja-JP" altLang="en-US" smtClean="0"/>
-              <a:t>2022/10/6</a:t>
+              <a:t>2022/12/9</a:t>
             </a:fld>
             <a:endParaRPr kumimoji="1" lang="ja-JP" altLang="en-US"/>
           </a:p>
@@ -1563,7 +1563,7 @@
           <a:p>
             <a:fld id="{BF7D9607-4C63-4315-8A00-1F129CADF9DC}" type="datetimeFigureOut">
               <a:rPr kumimoji="1" lang="ja-JP" altLang="en-US" smtClean="0"/>
-              <a:t>2022/10/6</a:t>
+              <a:t>2022/12/9</a:t>
             </a:fld>
             <a:endParaRPr kumimoji="1" lang="ja-JP" altLang="en-US"/>
           </a:p>
@@ -2039,7 +2039,7 @@
           <a:p>
             <a:fld id="{BF7D9607-4C63-4315-8A00-1F129CADF9DC}" type="datetimeFigureOut">
               <a:rPr kumimoji="1" lang="ja-JP" altLang="en-US" smtClean="0"/>
-              <a:t>2022/10/6</a:t>
+              <a:t>2022/12/9</a:t>
             </a:fld>
             <a:endParaRPr kumimoji="1" lang="ja-JP" altLang="en-US"/>
           </a:p>
@@ -2180,7 +2180,7 @@
           <a:p>
             <a:fld id="{BF7D9607-4C63-4315-8A00-1F129CADF9DC}" type="datetimeFigureOut">
               <a:rPr kumimoji="1" lang="ja-JP" altLang="en-US" smtClean="0"/>
-              <a:t>2022/10/6</a:t>
+              <a:t>2022/12/9</a:t>
             </a:fld>
             <a:endParaRPr kumimoji="1" lang="ja-JP" altLang="en-US"/>
           </a:p>
@@ -2293,7 +2293,7 @@
           <a:p>
             <a:fld id="{BF7D9607-4C63-4315-8A00-1F129CADF9DC}" type="datetimeFigureOut">
               <a:rPr kumimoji="1" lang="ja-JP" altLang="en-US" smtClean="0"/>
-              <a:t>2022/10/6</a:t>
+              <a:t>2022/12/9</a:t>
             </a:fld>
             <a:endParaRPr kumimoji="1" lang="ja-JP" altLang="en-US"/>
           </a:p>
@@ -2636,7 +2636,7 @@
           <a:p>
             <a:fld id="{BF7D9607-4C63-4315-8A00-1F129CADF9DC}" type="datetimeFigureOut">
               <a:rPr kumimoji="1" lang="ja-JP" altLang="en-US" smtClean="0"/>
-              <a:t>2022/10/6</a:t>
+              <a:t>2022/12/9</a:t>
             </a:fld>
             <a:endParaRPr kumimoji="1" lang="ja-JP" altLang="en-US"/>
           </a:p>
@@ -2924,7 +2924,7 @@
           <a:p>
             <a:fld id="{BF7D9607-4C63-4315-8A00-1F129CADF9DC}" type="datetimeFigureOut">
               <a:rPr kumimoji="1" lang="ja-JP" altLang="en-US" smtClean="0"/>
-              <a:t>2022/10/6</a:t>
+              <a:t>2022/12/9</a:t>
             </a:fld>
             <a:endParaRPr kumimoji="1" lang="ja-JP" altLang="en-US"/>
           </a:p>
@@ -3200,7 +3200,7 @@
           <a:p>
             <a:fld id="{BF7D9607-4C63-4315-8A00-1F129CADF9DC}" type="datetimeFigureOut">
               <a:rPr kumimoji="1" lang="ja-JP" altLang="en-US" smtClean="0"/>
-              <a:t>2022/10/6</a:t>
+              <a:t>2022/12/9</a:t>
             </a:fld>
             <a:endParaRPr kumimoji="1" lang="ja-JP" altLang="en-US"/>
           </a:p>
@@ -3691,9 +3691,9 @@
         <p:grpSpPr>
           <a:xfrm>
             <a:off x="4836723" y="3069000"/>
-            <a:ext cx="2520000" cy="1439999"/>
+            <a:ext cx="2520000" cy="1081852"/>
             <a:chOff x="5016000" y="3069000"/>
-            <a:chExt cx="2520000" cy="1439999"/>
+            <a:chExt cx="2520000" cy="1081852"/>
           </a:xfrm>
         </p:grpSpPr>
         <p:sp>
@@ -3711,7 +3711,7 @@
           <p:spPr>
             <a:xfrm>
               <a:off x="5016000" y="3790852"/>
-              <a:ext cx="2519998" cy="718147"/>
+              <a:ext cx="2519998" cy="360000"/>
             </a:xfrm>
             <a:prstGeom prst="rect">
               <a:avLst/>
@@ -3755,28 +3755,17 @@
                     <a:schemeClr val="tx2"/>
                   </a:solidFill>
                 </a:rPr>
-                <a:t>Windows or</a:t>
-              </a:r>
-            </a:p>
-            <a:p>
-              <a:pPr algn="ctr"/>
-              <a:r>
-                <a:rPr kumimoji="1" lang="en-US" altLang="ja-JP" sz="2000" dirty="0">
-                  <a:solidFill>
-                    <a:schemeClr val="tx2"/>
-                  </a:solidFill>
-                </a:rPr>
-                <a:t>Linux</a:t>
+                <a:t>Windows</a:t>
               </a:r>
             </a:p>
           </p:txBody>
         </p:sp>
         <p:grpSp>
           <p:nvGrpSpPr>
-            <p:cNvPr id="26" name="グループ化 25">
+            <p:cNvPr id="8" name="グループ化 7">
               <a:extLst>
                 <a:ext uri="{FF2B5EF4-FFF2-40B4-BE49-F238E27FC236}">
-                  <a16:creationId xmlns:a16="http://schemas.microsoft.com/office/drawing/2014/main" id="{AB9EEA48-5DDD-4BB6-B9C3-FD95F6E5B263}"/>
+                  <a16:creationId xmlns:a16="http://schemas.microsoft.com/office/drawing/2014/main" id="{4445C3EF-25A4-4E8B-AF88-4838C4AB826C}"/>
                 </a:ext>
               </a:extLst>
             </p:cNvPr>
@@ -3787,179 +3776,119 @@
             <a:xfrm>
               <a:off x="5016000" y="3069000"/>
               <a:ext cx="2520000" cy="720000"/>
-              <a:chOff x="5016000" y="604006"/>
+              <a:chOff x="4656000" y="604006"/>
               <a:chExt cx="2520000" cy="720000"/>
             </a:xfrm>
           </p:grpSpPr>
-          <p:grpSp>
-            <p:nvGrpSpPr>
-              <p:cNvPr id="8" name="グループ化 7">
+          <p:sp>
+            <p:nvSpPr>
+              <p:cNvPr id="2" name="正方形/長方形 1">
                 <a:extLst>
                   <a:ext uri="{FF2B5EF4-FFF2-40B4-BE49-F238E27FC236}">
-                    <a16:creationId xmlns:a16="http://schemas.microsoft.com/office/drawing/2014/main" id="{4445C3EF-25A4-4E8B-AF88-4838C4AB826C}"/>
+                    <a16:creationId xmlns:a16="http://schemas.microsoft.com/office/drawing/2014/main" id="{E4AC0215-FEAC-4E92-80BC-816C01DB55BA}"/>
                   </a:ext>
                 </a:extLst>
               </p:cNvPr>
-              <p:cNvGrpSpPr/>
+              <p:cNvSpPr/>
               <p:nvPr/>
-            </p:nvGrpSpPr>
-            <p:grpSpPr>
-              <a:xfrm>
-                <a:off x="5016000" y="604006"/>
-                <a:ext cx="2520000" cy="720000"/>
-                <a:chOff x="4656000" y="604006"/>
-                <a:chExt cx="2520000" cy="720000"/>
-              </a:xfrm>
-            </p:grpSpPr>
-            <p:sp>
-              <p:nvSpPr>
-                <p:cNvPr id="2" name="正方形/長方形 1">
-                  <a:extLst>
-                    <a:ext uri="{FF2B5EF4-FFF2-40B4-BE49-F238E27FC236}">
-                      <a16:creationId xmlns:a16="http://schemas.microsoft.com/office/drawing/2014/main" id="{E4AC0215-FEAC-4E92-80BC-816C01DB55BA}"/>
-                    </a:ext>
-                  </a:extLst>
-                </p:cNvPr>
-                <p:cNvSpPr/>
-                <p:nvPr/>
-              </p:nvSpPr>
-              <p:spPr>
-                <a:xfrm>
-                  <a:off x="5376000" y="604006"/>
-                  <a:ext cx="1800000" cy="720000"/>
-                </a:xfrm>
-                <a:prstGeom prst="rect">
-                  <a:avLst/>
-                </a:prstGeom>
-                <a:solidFill>
-                  <a:schemeClr val="tx2"/>
-                </a:solidFill>
-                <a:ln>
-                  <a:noFill/>
-                </a:ln>
-              </p:spPr>
-              <p:style>
-                <a:lnRef idx="2">
-                  <a:schemeClr val="accent1">
-                    <a:shade val="50000"/>
-                  </a:schemeClr>
-                </a:lnRef>
-                <a:fillRef idx="1">
-                  <a:schemeClr val="accent1"/>
-                </a:fillRef>
-                <a:effectRef idx="0">
-                  <a:schemeClr val="accent1"/>
-                </a:effectRef>
-                <a:fontRef idx="minor">
-                  <a:schemeClr val="lt1"/>
-                </a:fontRef>
-              </p:style>
-              <p:txBody>
-                <a:bodyPr rtlCol="0" anchor="ctr"/>
-                <a:lstStyle/>
-                <a:p>
-                  <a:pPr algn="ctr"/>
-                  <a:r>
-                    <a:rPr kumimoji="1" lang="ja-JP" altLang="en-US" sz="2000" dirty="0"/>
-                    <a:t>サーバ</a:t>
-                  </a:r>
-                </a:p>
-              </p:txBody>
-            </p:sp>
-            <p:sp>
-              <p:nvSpPr>
-                <p:cNvPr id="7" name="正方形/長方形 6">
-                  <a:extLst>
-                    <a:ext uri="{FF2B5EF4-FFF2-40B4-BE49-F238E27FC236}">
-                      <a16:creationId xmlns:a16="http://schemas.microsoft.com/office/drawing/2014/main" id="{5E25262E-6DCA-4CEF-9E7A-C3F33BAD8B68}"/>
-                    </a:ext>
-                  </a:extLst>
-                </p:cNvPr>
-                <p:cNvSpPr/>
-                <p:nvPr/>
-              </p:nvSpPr>
-              <p:spPr>
-                <a:xfrm>
-                  <a:off x="4656000" y="604006"/>
-                  <a:ext cx="720000" cy="720000"/>
-                </a:xfrm>
-                <a:prstGeom prst="rect">
-                  <a:avLst/>
-                </a:prstGeom>
-                <a:solidFill>
-                  <a:schemeClr val="bg2"/>
-                </a:solidFill>
-                <a:ln>
-                  <a:solidFill>
-                    <a:schemeClr val="tx2"/>
-                  </a:solidFill>
-                </a:ln>
-              </p:spPr>
-              <p:style>
-                <a:lnRef idx="2">
-                  <a:schemeClr val="accent1">
-                    <a:shade val="50000"/>
-                  </a:schemeClr>
-                </a:lnRef>
-                <a:fillRef idx="1">
-                  <a:schemeClr val="accent1"/>
-                </a:fillRef>
-                <a:effectRef idx="0">
-                  <a:schemeClr val="accent1"/>
-                </a:effectRef>
-                <a:fontRef idx="minor">
-                  <a:schemeClr val="lt1"/>
-                </a:fontRef>
-              </p:style>
-              <p:txBody>
-                <a:bodyPr rtlCol="0" anchor="ctr"/>
-                <a:lstStyle/>
-                <a:p>
-                  <a:pPr algn="ctr"/>
-                  <a:endParaRPr kumimoji="1" lang="ja-JP" altLang="en-US" sz="2000" dirty="0"/>
-                </a:p>
-              </p:txBody>
-            </p:sp>
-          </p:grpSp>
-          <p:pic>
-            <p:nvPicPr>
-              <p:cNvPr id="25" name="グラフィックス 24">
-                <a:extLst>
-                  <a:ext uri="{FF2B5EF4-FFF2-40B4-BE49-F238E27FC236}">
-                    <a16:creationId xmlns:a16="http://schemas.microsoft.com/office/drawing/2014/main" id="{DCF7F00F-30C6-4685-8133-74606053EDC8}"/>
-                  </a:ext>
-                </a:extLst>
-              </p:cNvPr>
-              <p:cNvPicPr>
-                <a:picLocks noChangeAspect="1"/>
-              </p:cNvPicPr>
-              <p:nvPr/>
-            </p:nvPicPr>
-            <p:blipFill>
-              <a:blip r:embed="rId2">
-                <a:extLst>
-                  <a:ext uri="{28A0092B-C50C-407E-A947-70E740481C1C}">
-                    <a14:useLocalDpi xmlns:a14="http://schemas.microsoft.com/office/drawing/2010/main" val="0"/>
-                  </a:ext>
-                  <a:ext uri="{96DAC541-7B7A-43D3-8B79-37D633B846F1}">
-                    <asvg:svgBlip xmlns:asvg="http://schemas.microsoft.com/office/drawing/2016/SVG/main" r:embed="rId3"/>
-                  </a:ext>
-                </a:extLst>
-              </a:blip>
-              <a:stretch>
-                <a:fillRect/>
-              </a:stretch>
-            </p:blipFill>
+            </p:nvSpPr>
             <p:spPr>
               <a:xfrm>
-                <a:off x="5106000" y="694006"/>
-                <a:ext cx="540000" cy="540000"/>
+                <a:off x="5376000" y="604006"/>
+                <a:ext cx="1800000" cy="720000"/>
               </a:xfrm>
               <a:prstGeom prst="rect">
                 <a:avLst/>
               </a:prstGeom>
+              <a:solidFill>
+                <a:schemeClr val="tx2"/>
+              </a:solidFill>
+              <a:ln>
+                <a:noFill/>
+              </a:ln>
             </p:spPr>
-          </p:pic>
+            <p:style>
+              <a:lnRef idx="2">
+                <a:schemeClr val="accent1">
+                  <a:shade val="50000"/>
+                </a:schemeClr>
+              </a:lnRef>
+              <a:fillRef idx="1">
+                <a:schemeClr val="accent1"/>
+              </a:fillRef>
+              <a:effectRef idx="0">
+                <a:schemeClr val="accent1"/>
+              </a:effectRef>
+              <a:fontRef idx="minor">
+                <a:schemeClr val="lt1"/>
+              </a:fontRef>
+            </p:style>
+            <p:txBody>
+              <a:bodyPr rtlCol="0" anchor="ctr"/>
+              <a:lstStyle/>
+              <a:p>
+                <a:pPr algn="ctr"/>
+                <a:r>
+                  <a:rPr kumimoji="1" lang="ja-JP" altLang="en-US" sz="2000" dirty="0"/>
+                  <a:t>サーバ</a:t>
+                </a:r>
+              </a:p>
+            </p:txBody>
+          </p:sp>
+          <p:sp>
+            <p:nvSpPr>
+              <p:cNvPr id="7" name="正方形/長方形 6">
+                <a:extLst>
+                  <a:ext uri="{FF2B5EF4-FFF2-40B4-BE49-F238E27FC236}">
+                    <a16:creationId xmlns:a16="http://schemas.microsoft.com/office/drawing/2014/main" id="{5E25262E-6DCA-4CEF-9E7A-C3F33BAD8B68}"/>
+                  </a:ext>
+                </a:extLst>
+              </p:cNvPr>
+              <p:cNvSpPr/>
+              <p:nvPr/>
+            </p:nvSpPr>
+            <p:spPr>
+              <a:xfrm>
+                <a:off x="4656000" y="604006"/>
+                <a:ext cx="720000" cy="720000"/>
+              </a:xfrm>
+              <a:prstGeom prst="rect">
+                <a:avLst/>
+              </a:prstGeom>
+              <a:solidFill>
+                <a:schemeClr val="bg2"/>
+              </a:solidFill>
+              <a:ln>
+                <a:solidFill>
+                  <a:schemeClr val="tx2"/>
+                </a:solidFill>
+              </a:ln>
+            </p:spPr>
+            <p:style>
+              <a:lnRef idx="2">
+                <a:schemeClr val="accent1">
+                  <a:shade val="50000"/>
+                </a:schemeClr>
+              </a:lnRef>
+              <a:fillRef idx="1">
+                <a:schemeClr val="accent1"/>
+              </a:fillRef>
+              <a:effectRef idx="0">
+                <a:schemeClr val="accent1"/>
+              </a:effectRef>
+              <a:fontRef idx="minor">
+                <a:schemeClr val="lt1"/>
+              </a:fontRef>
+            </p:style>
+            <p:txBody>
+              <a:bodyPr rtlCol="0" anchor="ctr"/>
+              <a:lstStyle/>
+              <a:p>
+                <a:pPr algn="ctr"/>
+                <a:endParaRPr kumimoji="1" lang="ja-JP" altLang="en-US" sz="2000" dirty="0"/>
+              </a:p>
+            </p:txBody>
+          </p:sp>
         </p:grpSp>
       </p:grpSp>
       <p:grpSp>
@@ -4138,7 +4067,7 @@
             <p:nvPr/>
           </p:nvPicPr>
           <p:blipFill>
-            <a:blip r:embed="rId4">
+            <a:blip r:embed="rId2">
               <a:extLst>
                 <a:ext uri="{28A0092B-C50C-407E-A947-70E740481C1C}">
                   <a14:useLocalDpi xmlns:a14="http://schemas.microsoft.com/office/drawing/2010/main" val="0"/>
@@ -4338,7 +4267,7 @@
               <p:nvPr/>
             </p:nvPicPr>
             <p:blipFill>
-              <a:blip r:embed="rId5">
+              <a:blip r:embed="rId3">
                 <a:extLst>
                   <a:ext uri="{28A0092B-C50C-407E-A947-70E740481C1C}">
                     <a14:useLocalDpi xmlns:a14="http://schemas.microsoft.com/office/drawing/2010/main" val="0"/>
@@ -4718,7 +4647,7 @@
                     <a:schemeClr val="tx2"/>
                   </a:solidFill>
                 </a:rPr>
-                <a:t>Windows or</a:t>
+                <a:t>Windows</a:t>
               </a:r>
             </a:p>
             <a:p>
@@ -4741,10 +4670,10 @@
         </p:sp>
         <p:grpSp>
           <p:nvGrpSpPr>
-            <p:cNvPr id="27" name="グループ化 26">
+            <p:cNvPr id="28" name="グループ化 27">
               <a:extLst>
                 <a:ext uri="{FF2B5EF4-FFF2-40B4-BE49-F238E27FC236}">
-                  <a16:creationId xmlns:a16="http://schemas.microsoft.com/office/drawing/2014/main" id="{C1720D71-6114-496F-A784-37BC2D5CAAF3}"/>
+                  <a16:creationId xmlns:a16="http://schemas.microsoft.com/office/drawing/2014/main" id="{42CA8C0B-E272-4040-9D6E-3A61E5BF1E85}"/>
                 </a:ext>
               </a:extLst>
             </p:cNvPr>
@@ -4755,180 +4684,120 @@
             <a:xfrm>
               <a:off x="861171" y="3069000"/>
               <a:ext cx="2519998" cy="720000"/>
-              <a:chOff x="5016000" y="604006"/>
+              <a:chOff x="4656000" y="604006"/>
               <a:chExt cx="2519998" cy="720000"/>
             </a:xfrm>
           </p:grpSpPr>
-          <p:grpSp>
-            <p:nvGrpSpPr>
-              <p:cNvPr id="28" name="グループ化 27">
+          <p:sp>
+            <p:nvSpPr>
+              <p:cNvPr id="30" name="正方形/長方形 29">
                 <a:extLst>
                   <a:ext uri="{FF2B5EF4-FFF2-40B4-BE49-F238E27FC236}">
-                    <a16:creationId xmlns:a16="http://schemas.microsoft.com/office/drawing/2014/main" id="{42CA8C0B-E272-4040-9D6E-3A61E5BF1E85}"/>
+                    <a16:creationId xmlns:a16="http://schemas.microsoft.com/office/drawing/2014/main" id="{2849E84E-BB43-4B23-9FF3-081340F43C3B}"/>
                   </a:ext>
                 </a:extLst>
               </p:cNvPr>
-              <p:cNvGrpSpPr/>
+              <p:cNvSpPr/>
               <p:nvPr/>
-            </p:nvGrpSpPr>
-            <p:grpSpPr>
-              <a:xfrm>
-                <a:off x="5016000" y="604006"/>
-                <a:ext cx="2519998" cy="720000"/>
-                <a:chOff x="4656000" y="604006"/>
-                <a:chExt cx="2519998" cy="720000"/>
-              </a:xfrm>
-            </p:grpSpPr>
-            <p:sp>
-              <p:nvSpPr>
-                <p:cNvPr id="30" name="正方形/長方形 29">
-                  <a:extLst>
-                    <a:ext uri="{FF2B5EF4-FFF2-40B4-BE49-F238E27FC236}">
-                      <a16:creationId xmlns:a16="http://schemas.microsoft.com/office/drawing/2014/main" id="{2849E84E-BB43-4B23-9FF3-081340F43C3B}"/>
-                    </a:ext>
-                  </a:extLst>
-                </p:cNvPr>
-                <p:cNvSpPr/>
-                <p:nvPr/>
-              </p:nvSpPr>
-              <p:spPr>
-                <a:xfrm>
-                  <a:off x="5375998" y="604006"/>
-                  <a:ext cx="1800000" cy="720000"/>
-                </a:xfrm>
-                <a:prstGeom prst="rect">
-                  <a:avLst/>
-                </a:prstGeom>
-                <a:solidFill>
-                  <a:schemeClr val="tx2"/>
-                </a:solidFill>
-                <a:ln>
-                  <a:noFill/>
-                </a:ln>
-              </p:spPr>
-              <p:style>
-                <a:lnRef idx="2">
-                  <a:schemeClr val="accent1">
-                    <a:shade val="50000"/>
-                  </a:schemeClr>
-                </a:lnRef>
-                <a:fillRef idx="1">
-                  <a:schemeClr val="accent1"/>
-                </a:fillRef>
-                <a:effectRef idx="0">
-                  <a:schemeClr val="accent1"/>
-                </a:effectRef>
-                <a:fontRef idx="minor">
-                  <a:schemeClr val="lt1"/>
-                </a:fontRef>
-              </p:style>
-              <p:txBody>
-                <a:bodyPr rtlCol="0" anchor="ctr"/>
-                <a:lstStyle/>
-                <a:p>
-                  <a:pPr algn="ctr"/>
-                  <a:r>
-                    <a:rPr lang="ja-JP" altLang="en-US" sz="2000" dirty="0"/>
-                    <a:t>クライアント</a:t>
-                  </a:r>
-                  <a:endParaRPr lang="en-US" altLang="ja-JP" sz="2000" dirty="0"/>
-                </a:p>
-              </p:txBody>
-            </p:sp>
-            <p:sp>
-              <p:nvSpPr>
-                <p:cNvPr id="31" name="正方形/長方形 30">
-                  <a:extLst>
-                    <a:ext uri="{FF2B5EF4-FFF2-40B4-BE49-F238E27FC236}">
-                      <a16:creationId xmlns:a16="http://schemas.microsoft.com/office/drawing/2014/main" id="{A0E6E276-1DBC-45CF-9698-1A01932D6464}"/>
-                    </a:ext>
-                  </a:extLst>
-                </p:cNvPr>
-                <p:cNvSpPr/>
-                <p:nvPr/>
-              </p:nvSpPr>
-              <p:spPr>
-                <a:xfrm>
-                  <a:off x="4656000" y="604006"/>
-                  <a:ext cx="720000" cy="720000"/>
-                </a:xfrm>
-                <a:prstGeom prst="rect">
-                  <a:avLst/>
-                </a:prstGeom>
-                <a:solidFill>
-                  <a:schemeClr val="bg2"/>
-                </a:solidFill>
-                <a:ln>
-                  <a:solidFill>
-                    <a:schemeClr val="tx2"/>
-                  </a:solidFill>
-                </a:ln>
-              </p:spPr>
-              <p:style>
-                <a:lnRef idx="2">
-                  <a:schemeClr val="accent1">
-                    <a:shade val="50000"/>
-                  </a:schemeClr>
-                </a:lnRef>
-                <a:fillRef idx="1">
-                  <a:schemeClr val="accent1"/>
-                </a:fillRef>
-                <a:effectRef idx="0">
-                  <a:schemeClr val="accent1"/>
-                </a:effectRef>
-                <a:fontRef idx="minor">
-                  <a:schemeClr val="lt1"/>
-                </a:fontRef>
-              </p:style>
-              <p:txBody>
-                <a:bodyPr rtlCol="0" anchor="ctr"/>
-                <a:lstStyle/>
-                <a:p>
-                  <a:pPr algn="ctr"/>
-                  <a:endParaRPr kumimoji="1" lang="ja-JP" altLang="en-US" sz="2000" dirty="0"/>
-                </a:p>
-              </p:txBody>
-            </p:sp>
-          </p:grpSp>
-          <p:pic>
-            <p:nvPicPr>
-              <p:cNvPr id="29" name="グラフィックス 28">
-                <a:extLst>
-                  <a:ext uri="{FF2B5EF4-FFF2-40B4-BE49-F238E27FC236}">
-                    <a16:creationId xmlns:a16="http://schemas.microsoft.com/office/drawing/2014/main" id="{BB1FD4FD-F528-4222-9CC4-AFD80CB8B166}"/>
-                  </a:ext>
-                </a:extLst>
-              </p:cNvPr>
-              <p:cNvPicPr>
-                <a:picLocks noChangeAspect="1"/>
-              </p:cNvPicPr>
-              <p:nvPr/>
-            </p:nvPicPr>
-            <p:blipFill>
-              <a:blip r:embed="rId2">
-                <a:extLst>
-                  <a:ext uri="{28A0092B-C50C-407E-A947-70E740481C1C}">
-                    <a14:useLocalDpi xmlns:a14="http://schemas.microsoft.com/office/drawing/2010/main" val="0"/>
-                  </a:ext>
-                  <a:ext uri="{96DAC541-7B7A-43D3-8B79-37D633B846F1}">
-                    <asvg:svgBlip xmlns:asvg="http://schemas.microsoft.com/office/drawing/2016/SVG/main" r:embed="rId3"/>
-                  </a:ext>
-                </a:extLst>
-              </a:blip>
-              <a:stretch>
-                <a:fillRect/>
-              </a:stretch>
-            </p:blipFill>
+            </p:nvSpPr>
             <p:spPr>
               <a:xfrm>
-                <a:off x="5106000" y="694006"/>
-                <a:ext cx="540000" cy="540000"/>
+                <a:off x="5375998" y="604006"/>
+                <a:ext cx="1800000" cy="720000"/>
               </a:xfrm>
               <a:prstGeom prst="rect">
                 <a:avLst/>
               </a:prstGeom>
+              <a:solidFill>
+                <a:schemeClr val="tx2"/>
+              </a:solidFill>
+              <a:ln>
+                <a:noFill/>
+              </a:ln>
             </p:spPr>
-          </p:pic>
+            <p:style>
+              <a:lnRef idx="2">
+                <a:schemeClr val="accent1">
+                  <a:shade val="50000"/>
+                </a:schemeClr>
+              </a:lnRef>
+              <a:fillRef idx="1">
+                <a:schemeClr val="accent1"/>
+              </a:fillRef>
+              <a:effectRef idx="0">
+                <a:schemeClr val="accent1"/>
+              </a:effectRef>
+              <a:fontRef idx="minor">
+                <a:schemeClr val="lt1"/>
+              </a:fontRef>
+            </p:style>
+            <p:txBody>
+              <a:bodyPr rtlCol="0" anchor="ctr"/>
+              <a:lstStyle/>
+              <a:p>
+                <a:pPr algn="ctr"/>
+                <a:r>
+                  <a:rPr lang="ja-JP" altLang="en-US" sz="2000" dirty="0"/>
+                  <a:t>クライアント</a:t>
+                </a:r>
+                <a:endParaRPr lang="en-US" altLang="ja-JP" sz="2000" dirty="0"/>
+              </a:p>
+            </p:txBody>
+          </p:sp>
+          <p:sp>
+            <p:nvSpPr>
+              <p:cNvPr id="31" name="正方形/長方形 30">
+                <a:extLst>
+                  <a:ext uri="{FF2B5EF4-FFF2-40B4-BE49-F238E27FC236}">
+                    <a16:creationId xmlns:a16="http://schemas.microsoft.com/office/drawing/2014/main" id="{A0E6E276-1DBC-45CF-9698-1A01932D6464}"/>
+                  </a:ext>
+                </a:extLst>
+              </p:cNvPr>
+              <p:cNvSpPr/>
+              <p:nvPr/>
+            </p:nvSpPr>
+            <p:spPr>
+              <a:xfrm>
+                <a:off x="4656000" y="604006"/>
+                <a:ext cx="720000" cy="720000"/>
+              </a:xfrm>
+              <a:prstGeom prst="rect">
+                <a:avLst/>
+              </a:prstGeom>
+              <a:solidFill>
+                <a:schemeClr val="bg2"/>
+              </a:solidFill>
+              <a:ln>
+                <a:solidFill>
+                  <a:schemeClr val="tx2"/>
+                </a:solidFill>
+              </a:ln>
+            </p:spPr>
+            <p:style>
+              <a:lnRef idx="2">
+                <a:schemeClr val="accent1">
+                  <a:shade val="50000"/>
+                </a:schemeClr>
+              </a:lnRef>
+              <a:fillRef idx="1">
+                <a:schemeClr val="accent1"/>
+              </a:fillRef>
+              <a:effectRef idx="0">
+                <a:schemeClr val="accent1"/>
+              </a:effectRef>
+              <a:fontRef idx="minor">
+                <a:schemeClr val="lt1"/>
+              </a:fontRef>
+            </p:style>
+            <p:txBody>
+              <a:bodyPr rtlCol="0" anchor="ctr"/>
+              <a:lstStyle/>
+              <a:p>
+                <a:pPr algn="ctr"/>
+                <a:endParaRPr kumimoji="1" lang="ja-JP" altLang="en-US" sz="2000" dirty="0"/>
+              </a:p>
+            </p:txBody>
+          </p:sp>
         </p:grpSp>
         <p:grpSp>
           <p:nvGrpSpPr>
@@ -4965,13 +4834,13 @@
               <p:nvPr/>
             </p:nvPicPr>
             <p:blipFill>
-              <a:blip r:embed="rId6">
+              <a:blip r:embed="rId4">
                 <a:extLst>
                   <a:ext uri="{28A0092B-C50C-407E-A947-70E740481C1C}">
                     <a14:useLocalDpi xmlns:a14="http://schemas.microsoft.com/office/drawing/2010/main" val="0"/>
                   </a:ext>
                   <a:ext uri="{96DAC541-7B7A-43D3-8B79-37D633B846F1}">
-                    <asvg:svgBlip xmlns:asvg="http://schemas.microsoft.com/office/drawing/2016/SVG/main" r:embed="rId7"/>
+                    <asvg:svgBlip xmlns:asvg="http://schemas.microsoft.com/office/drawing/2016/SVG/main" r:embed="rId5"/>
                   </a:ext>
                 </a:extLst>
               </a:blip>
@@ -5113,10 +4982,10 @@
         </p:sp>
         <p:grpSp>
           <p:nvGrpSpPr>
-            <p:cNvPr id="37" name="グループ化 36">
+            <p:cNvPr id="12" name="グループ化 11">
               <a:extLst>
                 <a:ext uri="{FF2B5EF4-FFF2-40B4-BE49-F238E27FC236}">
-                  <a16:creationId xmlns:a16="http://schemas.microsoft.com/office/drawing/2014/main" id="{0E45C0E2-6EFE-4764-9660-8AA0E6E0BBEA}"/>
+                  <a16:creationId xmlns:a16="http://schemas.microsoft.com/office/drawing/2014/main" id="{36286B43-F8D1-4FA5-B1A0-C0C82D4AEC20}"/>
                 </a:ext>
               </a:extLst>
             </p:cNvPr>
@@ -5127,179 +4996,119 @@
             <a:xfrm>
               <a:off x="8806926" y="3069000"/>
               <a:ext cx="2519998" cy="720000"/>
-              <a:chOff x="861381" y="1324006"/>
+              <a:chOff x="4656000" y="604006"/>
               <a:chExt cx="2519998" cy="720000"/>
             </a:xfrm>
           </p:grpSpPr>
-          <p:grpSp>
-            <p:nvGrpSpPr>
-              <p:cNvPr id="12" name="グループ化 11">
+          <p:sp>
+            <p:nvSpPr>
+              <p:cNvPr id="13" name="正方形/長方形 12">
                 <a:extLst>
                   <a:ext uri="{FF2B5EF4-FFF2-40B4-BE49-F238E27FC236}">
-                    <a16:creationId xmlns:a16="http://schemas.microsoft.com/office/drawing/2014/main" id="{36286B43-F8D1-4FA5-B1A0-C0C82D4AEC20}"/>
+                    <a16:creationId xmlns:a16="http://schemas.microsoft.com/office/drawing/2014/main" id="{1791DB07-17E6-427D-AFF9-57FB0E115735}"/>
                   </a:ext>
                 </a:extLst>
               </p:cNvPr>
-              <p:cNvGrpSpPr/>
+              <p:cNvSpPr/>
               <p:nvPr/>
-            </p:nvGrpSpPr>
-            <p:grpSpPr>
-              <a:xfrm>
-                <a:off x="861381" y="1324006"/>
-                <a:ext cx="2519998" cy="720000"/>
-                <a:chOff x="4656000" y="604006"/>
-                <a:chExt cx="2519998" cy="720000"/>
-              </a:xfrm>
-            </p:grpSpPr>
-            <p:sp>
-              <p:nvSpPr>
-                <p:cNvPr id="13" name="正方形/長方形 12">
-                  <a:extLst>
-                    <a:ext uri="{FF2B5EF4-FFF2-40B4-BE49-F238E27FC236}">
-                      <a16:creationId xmlns:a16="http://schemas.microsoft.com/office/drawing/2014/main" id="{1791DB07-17E6-427D-AFF9-57FB0E115735}"/>
-                    </a:ext>
-                  </a:extLst>
-                </p:cNvPr>
-                <p:cNvSpPr/>
-                <p:nvPr/>
-              </p:nvSpPr>
-              <p:spPr>
-                <a:xfrm>
-                  <a:off x="5375998" y="604006"/>
-                  <a:ext cx="1800000" cy="720000"/>
-                </a:xfrm>
-                <a:prstGeom prst="rect">
-                  <a:avLst/>
-                </a:prstGeom>
-                <a:solidFill>
-                  <a:schemeClr val="tx2"/>
-                </a:solidFill>
-                <a:ln>
-                  <a:noFill/>
-                </a:ln>
-              </p:spPr>
-              <p:style>
-                <a:lnRef idx="2">
-                  <a:schemeClr val="accent1">
-                    <a:shade val="50000"/>
-                  </a:schemeClr>
-                </a:lnRef>
-                <a:fillRef idx="1">
-                  <a:schemeClr val="accent1"/>
-                </a:fillRef>
-                <a:effectRef idx="0">
-                  <a:schemeClr val="accent1"/>
-                </a:effectRef>
-                <a:fontRef idx="minor">
-                  <a:schemeClr val="lt1"/>
-                </a:fontRef>
-              </p:style>
-              <p:txBody>
-                <a:bodyPr rtlCol="0" anchor="ctr"/>
-                <a:lstStyle/>
-                <a:p>
-                  <a:pPr algn="ctr"/>
-                  <a:r>
-                    <a:rPr kumimoji="1" lang="ja-JP" altLang="en-US" sz="2000" dirty="0"/>
-                    <a:t>コンソール</a:t>
-                  </a:r>
-                </a:p>
-              </p:txBody>
-            </p:sp>
-            <p:sp>
-              <p:nvSpPr>
-                <p:cNvPr id="14" name="正方形/長方形 13">
-                  <a:extLst>
-                    <a:ext uri="{FF2B5EF4-FFF2-40B4-BE49-F238E27FC236}">
-                      <a16:creationId xmlns:a16="http://schemas.microsoft.com/office/drawing/2014/main" id="{C48C6407-0F3D-497B-B34C-98EEB9EE4A43}"/>
-                    </a:ext>
-                  </a:extLst>
-                </p:cNvPr>
-                <p:cNvSpPr/>
-                <p:nvPr/>
-              </p:nvSpPr>
-              <p:spPr>
-                <a:xfrm>
-                  <a:off x="4656000" y="604006"/>
-                  <a:ext cx="720000" cy="720000"/>
-                </a:xfrm>
-                <a:prstGeom prst="rect">
-                  <a:avLst/>
-                </a:prstGeom>
-                <a:solidFill>
-                  <a:schemeClr val="bg2"/>
-                </a:solidFill>
-                <a:ln w="12700">
-                  <a:solidFill>
-                    <a:schemeClr val="tx2"/>
-                  </a:solidFill>
-                </a:ln>
-              </p:spPr>
-              <p:style>
-                <a:lnRef idx="2">
-                  <a:schemeClr val="accent1">
-                    <a:shade val="50000"/>
-                  </a:schemeClr>
-                </a:lnRef>
-                <a:fillRef idx="1">
-                  <a:schemeClr val="accent1"/>
-                </a:fillRef>
-                <a:effectRef idx="0">
-                  <a:schemeClr val="accent1"/>
-                </a:effectRef>
-                <a:fontRef idx="minor">
-                  <a:schemeClr val="lt1"/>
-                </a:fontRef>
-              </p:style>
-              <p:txBody>
-                <a:bodyPr rtlCol="0" anchor="ctr"/>
-                <a:lstStyle/>
-                <a:p>
-                  <a:pPr algn="ctr"/>
-                  <a:endParaRPr kumimoji="1" lang="ja-JP" altLang="en-US" sz="2000" dirty="0"/>
-                </a:p>
-              </p:txBody>
-            </p:sp>
-          </p:grpSp>
-          <p:pic>
-            <p:nvPicPr>
-              <p:cNvPr id="36" name="グラフィックス 35">
-                <a:extLst>
-                  <a:ext uri="{FF2B5EF4-FFF2-40B4-BE49-F238E27FC236}">
-                    <a16:creationId xmlns:a16="http://schemas.microsoft.com/office/drawing/2014/main" id="{311E40E2-73C3-4DD9-A4F7-5F24A703F5B9}"/>
-                  </a:ext>
-                </a:extLst>
-              </p:cNvPr>
-              <p:cNvPicPr>
-                <a:picLocks noChangeAspect="1"/>
-              </p:cNvPicPr>
-              <p:nvPr/>
-            </p:nvPicPr>
-            <p:blipFill>
-              <a:blip r:embed="rId8">
-                <a:extLst>
-                  <a:ext uri="{28A0092B-C50C-407E-A947-70E740481C1C}">
-                    <a14:useLocalDpi xmlns:a14="http://schemas.microsoft.com/office/drawing/2010/main" val="0"/>
-                  </a:ext>
-                  <a:ext uri="{96DAC541-7B7A-43D3-8B79-37D633B846F1}">
-                    <asvg:svgBlip xmlns:asvg="http://schemas.microsoft.com/office/drawing/2016/SVG/main" r:embed="rId9"/>
-                  </a:ext>
-                </a:extLst>
-              </a:blip>
-              <a:stretch>
-                <a:fillRect/>
-              </a:stretch>
-            </p:blipFill>
+            </p:nvSpPr>
             <p:spPr>
               <a:xfrm>
-                <a:off x="951381" y="1414006"/>
-                <a:ext cx="540000" cy="540000"/>
+                <a:off x="5375998" y="604006"/>
+                <a:ext cx="1800000" cy="720000"/>
               </a:xfrm>
               <a:prstGeom prst="rect">
                 <a:avLst/>
               </a:prstGeom>
+              <a:solidFill>
+                <a:schemeClr val="tx2"/>
+              </a:solidFill>
+              <a:ln>
+                <a:noFill/>
+              </a:ln>
             </p:spPr>
-          </p:pic>
+            <p:style>
+              <a:lnRef idx="2">
+                <a:schemeClr val="accent1">
+                  <a:shade val="50000"/>
+                </a:schemeClr>
+              </a:lnRef>
+              <a:fillRef idx="1">
+                <a:schemeClr val="accent1"/>
+              </a:fillRef>
+              <a:effectRef idx="0">
+                <a:schemeClr val="accent1"/>
+              </a:effectRef>
+              <a:fontRef idx="minor">
+                <a:schemeClr val="lt1"/>
+              </a:fontRef>
+            </p:style>
+            <p:txBody>
+              <a:bodyPr rtlCol="0" anchor="ctr"/>
+              <a:lstStyle/>
+              <a:p>
+                <a:pPr algn="ctr"/>
+                <a:r>
+                  <a:rPr kumimoji="1" lang="ja-JP" altLang="en-US" sz="2000" dirty="0"/>
+                  <a:t>コンソール</a:t>
+                </a:r>
+              </a:p>
+            </p:txBody>
+          </p:sp>
+          <p:sp>
+            <p:nvSpPr>
+              <p:cNvPr id="14" name="正方形/長方形 13">
+                <a:extLst>
+                  <a:ext uri="{FF2B5EF4-FFF2-40B4-BE49-F238E27FC236}">
+                    <a16:creationId xmlns:a16="http://schemas.microsoft.com/office/drawing/2014/main" id="{C48C6407-0F3D-497B-B34C-98EEB9EE4A43}"/>
+                  </a:ext>
+                </a:extLst>
+              </p:cNvPr>
+              <p:cNvSpPr/>
+              <p:nvPr/>
+            </p:nvSpPr>
+            <p:spPr>
+              <a:xfrm>
+                <a:off x="4656000" y="604006"/>
+                <a:ext cx="720000" cy="720000"/>
+              </a:xfrm>
+              <a:prstGeom prst="rect">
+                <a:avLst/>
+              </a:prstGeom>
+              <a:solidFill>
+                <a:schemeClr val="bg2"/>
+              </a:solidFill>
+              <a:ln w="12700">
+                <a:solidFill>
+                  <a:schemeClr val="tx2"/>
+                </a:solidFill>
+              </a:ln>
+            </p:spPr>
+            <p:style>
+              <a:lnRef idx="2">
+                <a:schemeClr val="accent1">
+                  <a:shade val="50000"/>
+                </a:schemeClr>
+              </a:lnRef>
+              <a:fillRef idx="1">
+                <a:schemeClr val="accent1"/>
+              </a:fillRef>
+              <a:effectRef idx="0">
+                <a:schemeClr val="accent1"/>
+              </a:effectRef>
+              <a:fontRef idx="minor">
+                <a:schemeClr val="lt1"/>
+              </a:fontRef>
+            </p:style>
+            <p:txBody>
+              <a:bodyPr rtlCol="0" anchor="ctr"/>
+              <a:lstStyle/>
+              <a:p>
+                <a:pPr algn="ctr"/>
+                <a:endParaRPr kumimoji="1" lang="ja-JP" altLang="en-US" sz="2000" dirty="0"/>
+              </a:p>
+            </p:txBody>
+          </p:sp>
         </p:grpSp>
         <p:grpSp>
           <p:nvGrpSpPr>
@@ -5336,13 +5145,13 @@
               <p:nvPr/>
             </p:nvPicPr>
             <p:blipFill>
-              <a:blip r:embed="rId6">
+              <a:blip r:embed="rId4">
                 <a:extLst>
                   <a:ext uri="{28A0092B-C50C-407E-A947-70E740481C1C}">
                     <a14:useLocalDpi xmlns:a14="http://schemas.microsoft.com/office/drawing/2010/main" val="0"/>
                   </a:ext>
                   <a:ext uri="{96DAC541-7B7A-43D3-8B79-37D633B846F1}">
-                    <asvg:svgBlip xmlns:asvg="http://schemas.microsoft.com/office/drawing/2016/SVG/main" r:embed="rId7"/>
+                    <asvg:svgBlip xmlns:asvg="http://schemas.microsoft.com/office/drawing/2016/SVG/main" r:embed="rId5"/>
                   </a:ext>
                 </a:extLst>
               </a:blip>
@@ -5476,17 +5285,30 @@
                     <a:schemeClr val="tx2"/>
                   </a:solidFill>
                 </a:rPr>
-                <a:t>Meta Quest 2</a:t>
+                <a:t>Meta Quest 2, etc</a:t>
               </a:r>
+              <a:r>
+                <a:rPr lang="en-US" altLang="ja-JP" sz="2000" dirty="0">
+                  <a:solidFill>
+                    <a:schemeClr val="tx2"/>
+                  </a:solidFill>
+                </a:rPr>
+                <a:t>.</a:t>
+              </a:r>
+              <a:endParaRPr kumimoji="1" lang="en-US" altLang="ja-JP" sz="2000" dirty="0">
+                <a:solidFill>
+                  <a:schemeClr val="tx2"/>
+                </a:solidFill>
+              </a:endParaRPr>
             </a:p>
           </p:txBody>
         </p:sp>
         <p:grpSp>
           <p:nvGrpSpPr>
-            <p:cNvPr id="3" name="グループ化 2">
+            <p:cNvPr id="15" name="グループ化 14">
               <a:extLst>
                 <a:ext uri="{FF2B5EF4-FFF2-40B4-BE49-F238E27FC236}">
-                  <a16:creationId xmlns:a16="http://schemas.microsoft.com/office/drawing/2014/main" id="{45D0CED7-0EF1-4322-989E-560305352CCE}"/>
+                  <a16:creationId xmlns:a16="http://schemas.microsoft.com/office/drawing/2014/main" id="{15E95907-EB8E-4D8C-B167-1DD3CBBFFAC3}"/>
                 </a:ext>
               </a:extLst>
             </p:cNvPr>
@@ -5497,179 +5319,119 @@
             <a:xfrm>
               <a:off x="8806926" y="1283055"/>
               <a:ext cx="2520000" cy="720000"/>
-              <a:chOff x="8806926" y="1283055"/>
+              <a:chOff x="4656000" y="604006"/>
               <a:chExt cx="2520000" cy="720000"/>
             </a:xfrm>
           </p:grpSpPr>
-          <p:grpSp>
-            <p:nvGrpSpPr>
-              <p:cNvPr id="15" name="グループ化 14">
+          <p:sp>
+            <p:nvSpPr>
+              <p:cNvPr id="16" name="正方形/長方形 15">
                 <a:extLst>
                   <a:ext uri="{FF2B5EF4-FFF2-40B4-BE49-F238E27FC236}">
-                    <a16:creationId xmlns:a16="http://schemas.microsoft.com/office/drawing/2014/main" id="{15E95907-EB8E-4D8C-B167-1DD3CBBFFAC3}"/>
+                    <a16:creationId xmlns:a16="http://schemas.microsoft.com/office/drawing/2014/main" id="{D2C8D2AF-CF8E-4610-84CA-D5892CF1553D}"/>
                   </a:ext>
                 </a:extLst>
               </p:cNvPr>
-              <p:cNvGrpSpPr/>
+              <p:cNvSpPr/>
               <p:nvPr/>
-            </p:nvGrpSpPr>
-            <p:grpSpPr>
-              <a:xfrm>
-                <a:off x="8806926" y="1283055"/>
-                <a:ext cx="2520000" cy="720000"/>
-                <a:chOff x="4656000" y="604006"/>
-                <a:chExt cx="2520000" cy="720000"/>
-              </a:xfrm>
-            </p:grpSpPr>
-            <p:sp>
-              <p:nvSpPr>
-                <p:cNvPr id="16" name="正方形/長方形 15">
-                  <a:extLst>
-                    <a:ext uri="{FF2B5EF4-FFF2-40B4-BE49-F238E27FC236}">
-                      <a16:creationId xmlns:a16="http://schemas.microsoft.com/office/drawing/2014/main" id="{D2C8D2AF-CF8E-4610-84CA-D5892CF1553D}"/>
-                    </a:ext>
-                  </a:extLst>
-                </p:cNvPr>
-                <p:cNvSpPr/>
-                <p:nvPr/>
-              </p:nvSpPr>
-              <p:spPr>
-                <a:xfrm>
-                  <a:off x="5376000" y="604006"/>
-                  <a:ext cx="1800000" cy="720000"/>
-                </a:xfrm>
-                <a:prstGeom prst="rect">
-                  <a:avLst/>
-                </a:prstGeom>
-                <a:solidFill>
-                  <a:schemeClr val="tx2"/>
-                </a:solidFill>
-                <a:ln>
-                  <a:noFill/>
-                </a:ln>
-              </p:spPr>
-              <p:style>
-                <a:lnRef idx="2">
-                  <a:schemeClr val="accent1">
-                    <a:shade val="50000"/>
-                  </a:schemeClr>
-                </a:lnRef>
-                <a:fillRef idx="1">
-                  <a:schemeClr val="accent1"/>
-                </a:fillRef>
-                <a:effectRef idx="0">
-                  <a:schemeClr val="accent1"/>
-                </a:effectRef>
-                <a:fontRef idx="minor">
-                  <a:schemeClr val="lt1"/>
-                </a:fontRef>
-              </p:style>
-              <p:txBody>
-                <a:bodyPr rtlCol="0" anchor="ctr"/>
-                <a:lstStyle/>
-                <a:p>
-                  <a:pPr algn="ctr"/>
-                  <a:r>
-                    <a:rPr kumimoji="1" lang="ja-JP" altLang="en-US" sz="2000" dirty="0"/>
-                    <a:t>コントローラ</a:t>
-                  </a:r>
-                </a:p>
-              </p:txBody>
-            </p:sp>
-            <p:sp>
-              <p:nvSpPr>
-                <p:cNvPr id="17" name="正方形/長方形 16">
-                  <a:extLst>
-                    <a:ext uri="{FF2B5EF4-FFF2-40B4-BE49-F238E27FC236}">
-                      <a16:creationId xmlns:a16="http://schemas.microsoft.com/office/drawing/2014/main" id="{7776B1B3-AE0B-4C9D-9979-650A5C0D86BE}"/>
-                    </a:ext>
-                  </a:extLst>
-                </p:cNvPr>
-                <p:cNvSpPr/>
-                <p:nvPr/>
-              </p:nvSpPr>
-              <p:spPr>
-                <a:xfrm>
-                  <a:off x="4656000" y="604006"/>
-                  <a:ext cx="720000" cy="720000"/>
-                </a:xfrm>
-                <a:prstGeom prst="rect">
-                  <a:avLst/>
-                </a:prstGeom>
-                <a:solidFill>
-                  <a:schemeClr val="bg2"/>
-                </a:solidFill>
-                <a:ln>
-                  <a:solidFill>
-                    <a:schemeClr val="tx2"/>
-                  </a:solidFill>
-                </a:ln>
-              </p:spPr>
-              <p:style>
-                <a:lnRef idx="2">
-                  <a:schemeClr val="accent1">
-                    <a:shade val="50000"/>
-                  </a:schemeClr>
-                </a:lnRef>
-                <a:fillRef idx="1">
-                  <a:schemeClr val="accent1"/>
-                </a:fillRef>
-                <a:effectRef idx="0">
-                  <a:schemeClr val="accent1"/>
-                </a:effectRef>
-                <a:fontRef idx="minor">
-                  <a:schemeClr val="lt1"/>
-                </a:fontRef>
-              </p:style>
-              <p:txBody>
-                <a:bodyPr rtlCol="0" anchor="ctr"/>
-                <a:lstStyle/>
-                <a:p>
-                  <a:pPr algn="ctr"/>
-                  <a:endParaRPr kumimoji="1" lang="ja-JP" altLang="en-US" sz="2000" dirty="0"/>
-                </a:p>
-              </p:txBody>
-            </p:sp>
-          </p:grpSp>
-          <p:pic>
-            <p:nvPicPr>
-              <p:cNvPr id="44" name="グラフィックス 43">
-                <a:extLst>
-                  <a:ext uri="{FF2B5EF4-FFF2-40B4-BE49-F238E27FC236}">
-                    <a16:creationId xmlns:a16="http://schemas.microsoft.com/office/drawing/2014/main" id="{C6CFA500-59C9-476F-B092-21BB6F632230}"/>
-                  </a:ext>
-                </a:extLst>
-              </p:cNvPr>
-              <p:cNvPicPr>
-                <a:picLocks noChangeAspect="1"/>
-              </p:cNvPicPr>
-              <p:nvPr/>
-            </p:nvPicPr>
-            <p:blipFill>
-              <a:blip r:embed="rId2">
-                <a:extLst>
-                  <a:ext uri="{28A0092B-C50C-407E-A947-70E740481C1C}">
-                    <a14:useLocalDpi xmlns:a14="http://schemas.microsoft.com/office/drawing/2010/main" val="0"/>
-                  </a:ext>
-                  <a:ext uri="{96DAC541-7B7A-43D3-8B79-37D633B846F1}">
-                    <asvg:svgBlip xmlns:asvg="http://schemas.microsoft.com/office/drawing/2016/SVG/main" r:embed="rId3"/>
-                  </a:ext>
-                </a:extLst>
-              </a:blip>
-              <a:stretch>
-                <a:fillRect/>
-              </a:stretch>
-            </p:blipFill>
+            </p:nvSpPr>
             <p:spPr>
               <a:xfrm>
-                <a:off x="8896926" y="1369491"/>
-                <a:ext cx="540000" cy="540000"/>
+                <a:off x="5376000" y="604006"/>
+                <a:ext cx="1800000" cy="720000"/>
               </a:xfrm>
               <a:prstGeom prst="rect">
                 <a:avLst/>
               </a:prstGeom>
+              <a:solidFill>
+                <a:schemeClr val="tx2"/>
+              </a:solidFill>
+              <a:ln>
+                <a:noFill/>
+              </a:ln>
             </p:spPr>
-          </p:pic>
+            <p:style>
+              <a:lnRef idx="2">
+                <a:schemeClr val="accent1">
+                  <a:shade val="50000"/>
+                </a:schemeClr>
+              </a:lnRef>
+              <a:fillRef idx="1">
+                <a:schemeClr val="accent1"/>
+              </a:fillRef>
+              <a:effectRef idx="0">
+                <a:schemeClr val="accent1"/>
+              </a:effectRef>
+              <a:fontRef idx="minor">
+                <a:schemeClr val="lt1"/>
+              </a:fontRef>
+            </p:style>
+            <p:txBody>
+              <a:bodyPr rtlCol="0" anchor="ctr"/>
+              <a:lstStyle/>
+              <a:p>
+                <a:pPr algn="ctr"/>
+                <a:r>
+                  <a:rPr kumimoji="1" lang="ja-JP" altLang="en-US" sz="2000" dirty="0"/>
+                  <a:t>コントローラ</a:t>
+                </a:r>
+              </a:p>
+            </p:txBody>
+          </p:sp>
+          <p:sp>
+            <p:nvSpPr>
+              <p:cNvPr id="17" name="正方形/長方形 16">
+                <a:extLst>
+                  <a:ext uri="{FF2B5EF4-FFF2-40B4-BE49-F238E27FC236}">
+                    <a16:creationId xmlns:a16="http://schemas.microsoft.com/office/drawing/2014/main" id="{7776B1B3-AE0B-4C9D-9979-650A5C0D86BE}"/>
+                  </a:ext>
+                </a:extLst>
+              </p:cNvPr>
+              <p:cNvSpPr/>
+              <p:nvPr/>
+            </p:nvSpPr>
+            <p:spPr>
+              <a:xfrm>
+                <a:off x="4656000" y="604006"/>
+                <a:ext cx="720000" cy="720000"/>
+              </a:xfrm>
+              <a:prstGeom prst="rect">
+                <a:avLst/>
+              </a:prstGeom>
+              <a:solidFill>
+                <a:schemeClr val="bg2"/>
+              </a:solidFill>
+              <a:ln>
+                <a:solidFill>
+                  <a:schemeClr val="tx2"/>
+                </a:solidFill>
+              </a:ln>
+            </p:spPr>
+            <p:style>
+              <a:lnRef idx="2">
+                <a:schemeClr val="accent1">
+                  <a:shade val="50000"/>
+                </a:schemeClr>
+              </a:lnRef>
+              <a:fillRef idx="1">
+                <a:schemeClr val="accent1"/>
+              </a:fillRef>
+              <a:effectRef idx="0">
+                <a:schemeClr val="accent1"/>
+              </a:effectRef>
+              <a:fontRef idx="minor">
+                <a:schemeClr val="lt1"/>
+              </a:fontRef>
+            </p:style>
+            <p:txBody>
+              <a:bodyPr rtlCol="0" anchor="ctr"/>
+              <a:lstStyle/>
+              <a:p>
+                <a:pPr algn="ctr"/>
+                <a:endParaRPr kumimoji="1" lang="ja-JP" altLang="en-US" sz="2000" dirty="0"/>
+              </a:p>
+            </p:txBody>
+          </p:sp>
         </p:grpSp>
         <p:grpSp>
           <p:nvGrpSpPr>
@@ -5706,13 +5468,13 @@
               <p:nvPr/>
             </p:nvPicPr>
             <p:blipFill>
-              <a:blip r:embed="rId6">
+              <a:blip r:embed="rId4">
                 <a:extLst>
                   <a:ext uri="{28A0092B-C50C-407E-A947-70E740481C1C}">
                     <a14:useLocalDpi xmlns:a14="http://schemas.microsoft.com/office/drawing/2010/main" val="0"/>
                   </a:ext>
                   <a:ext uri="{96DAC541-7B7A-43D3-8B79-37D633B846F1}">
-                    <asvg:svgBlip xmlns:asvg="http://schemas.microsoft.com/office/drawing/2016/SVG/main" r:embed="rId7"/>
+                    <asvg:svgBlip xmlns:asvg="http://schemas.microsoft.com/office/drawing/2016/SVG/main" r:embed="rId5"/>
                   </a:ext>
                 </a:extLst>
               </a:blip>
@@ -5877,6 +5639,162 @@
           </a:p>
         </p:txBody>
       </p:sp>
+      <p:pic>
+        <p:nvPicPr>
+          <p:cNvPr id="5" name="グラフィックス 4">
+            <a:extLst>
+              <a:ext uri="{FF2B5EF4-FFF2-40B4-BE49-F238E27FC236}">
+                <a16:creationId xmlns:a16="http://schemas.microsoft.com/office/drawing/2014/main" id="{BD0A3333-4F31-4B00-9A38-B922C0DDCFD7}"/>
+              </a:ext>
+            </a:extLst>
+          </p:cNvPr>
+          <p:cNvPicPr>
+            <a:picLocks noChangeAspect="1"/>
+          </p:cNvPicPr>
+          <p:nvPr/>
+        </p:nvPicPr>
+        <p:blipFill>
+          <a:blip r:embed="rId6">
+            <a:extLst>
+              <a:ext uri="{28A0092B-C50C-407E-A947-70E740481C1C}">
+                <a14:useLocalDpi xmlns:a14="http://schemas.microsoft.com/office/drawing/2010/main" val="0"/>
+              </a:ext>
+              <a:ext uri="{96DAC541-7B7A-43D3-8B79-37D633B846F1}">
+                <asvg:svgBlip xmlns:asvg="http://schemas.microsoft.com/office/drawing/2016/SVG/main" r:embed="rId7"/>
+              </a:ext>
+            </a:extLst>
+          </a:blip>
+          <a:stretch>
+            <a:fillRect/>
+          </a:stretch>
+        </p:blipFill>
+        <p:spPr>
+          <a:xfrm>
+            <a:off x="1279703" y="3159000"/>
+            <a:ext cx="478763" cy="540000"/>
+          </a:xfrm>
+          <a:prstGeom prst="rect">
+            <a:avLst/>
+          </a:prstGeom>
+        </p:spPr>
+      </p:pic>
+      <p:pic>
+        <p:nvPicPr>
+          <p:cNvPr id="63" name="グラフィックス 62">
+            <a:extLst>
+              <a:ext uri="{FF2B5EF4-FFF2-40B4-BE49-F238E27FC236}">
+                <a16:creationId xmlns:a16="http://schemas.microsoft.com/office/drawing/2014/main" id="{5168E3A7-BC00-4C09-ACDF-14CEC6AE2F34}"/>
+              </a:ext>
+            </a:extLst>
+          </p:cNvPr>
+          <p:cNvPicPr>
+            <a:picLocks noChangeAspect="1"/>
+          </p:cNvPicPr>
+          <p:nvPr/>
+        </p:nvPicPr>
+        <p:blipFill>
+          <a:blip r:embed="rId6">
+            <a:extLst>
+              <a:ext uri="{28A0092B-C50C-407E-A947-70E740481C1C}">
+                <a14:useLocalDpi xmlns:a14="http://schemas.microsoft.com/office/drawing/2010/main" val="0"/>
+              </a:ext>
+              <a:ext uri="{96DAC541-7B7A-43D3-8B79-37D633B846F1}">
+                <asvg:svgBlip xmlns:asvg="http://schemas.microsoft.com/office/drawing/2016/SVG/main" r:embed="rId7"/>
+              </a:ext>
+            </a:extLst>
+          </a:blip>
+          <a:stretch>
+            <a:fillRect/>
+          </a:stretch>
+        </p:blipFill>
+        <p:spPr>
+          <a:xfrm>
+            <a:off x="4960911" y="3159000"/>
+            <a:ext cx="478763" cy="540000"/>
+          </a:xfrm>
+          <a:prstGeom prst="rect">
+            <a:avLst/>
+          </a:prstGeom>
+        </p:spPr>
+      </p:pic>
+      <p:pic>
+        <p:nvPicPr>
+          <p:cNvPr id="65" name="グラフィックス 64">
+            <a:extLst>
+              <a:ext uri="{FF2B5EF4-FFF2-40B4-BE49-F238E27FC236}">
+                <a16:creationId xmlns:a16="http://schemas.microsoft.com/office/drawing/2014/main" id="{614FDFFD-4833-4A5B-9AB1-C4643E8579CF}"/>
+              </a:ext>
+            </a:extLst>
+          </p:cNvPr>
+          <p:cNvPicPr>
+            <a:picLocks noChangeAspect="1"/>
+          </p:cNvPicPr>
+          <p:nvPr/>
+        </p:nvPicPr>
+        <p:blipFill>
+          <a:blip r:embed="rId6">
+            <a:extLst>
+              <a:ext uri="{28A0092B-C50C-407E-A947-70E740481C1C}">
+                <a14:useLocalDpi xmlns:a14="http://schemas.microsoft.com/office/drawing/2010/main" val="0"/>
+              </a:ext>
+              <a:ext uri="{96DAC541-7B7A-43D3-8B79-37D633B846F1}">
+                <asvg:svgBlip xmlns:asvg="http://schemas.microsoft.com/office/drawing/2016/SVG/main" r:embed="rId7"/>
+              </a:ext>
+            </a:extLst>
+          </a:blip>
+          <a:stretch>
+            <a:fillRect/>
+          </a:stretch>
+        </p:blipFill>
+        <p:spPr>
+          <a:xfrm>
+            <a:off x="8635347" y="1371343"/>
+            <a:ext cx="478763" cy="540000"/>
+          </a:xfrm>
+          <a:prstGeom prst="rect">
+            <a:avLst/>
+          </a:prstGeom>
+        </p:spPr>
+      </p:pic>
+      <p:pic>
+        <p:nvPicPr>
+          <p:cNvPr id="10" name="グラフィックス 9">
+            <a:extLst>
+              <a:ext uri="{FF2B5EF4-FFF2-40B4-BE49-F238E27FC236}">
+                <a16:creationId xmlns:a16="http://schemas.microsoft.com/office/drawing/2014/main" id="{805E5361-4316-4F7B-A743-94C05F0D391E}"/>
+              </a:ext>
+            </a:extLst>
+          </p:cNvPr>
+          <p:cNvPicPr>
+            <a:picLocks noChangeAspect="1"/>
+          </p:cNvPicPr>
+          <p:nvPr/>
+        </p:nvPicPr>
+        <p:blipFill>
+          <a:blip r:embed="rId8">
+            <a:extLst>
+              <a:ext uri="{28A0092B-C50C-407E-A947-70E740481C1C}">
+                <a14:useLocalDpi xmlns:a14="http://schemas.microsoft.com/office/drawing/2010/main" val="0"/>
+              </a:ext>
+              <a:ext uri="{96DAC541-7B7A-43D3-8B79-37D633B846F1}">
+                <asvg:svgBlip xmlns:asvg="http://schemas.microsoft.com/office/drawing/2016/SVG/main" r:embed="rId9"/>
+              </a:ext>
+            </a:extLst>
+          </a:blip>
+          <a:stretch>
+            <a:fillRect/>
+          </a:stretch>
+        </p:blipFill>
+        <p:spPr>
+          <a:xfrm>
+            <a:off x="8604361" y="3159000"/>
+            <a:ext cx="540000" cy="540000"/>
+          </a:xfrm>
+          <a:prstGeom prst="rect">
+            <a:avLst/>
+          </a:prstGeom>
+        </p:spPr>
+      </p:pic>
     </p:spTree>
     <p:extLst>
       <p:ext uri="{BB962C8B-B14F-4D97-AF65-F5344CB8AC3E}">
